--- a/week-1/intro-to-the-query.pptx
+++ b/week-1/intro-to-the-query.pptx
@@ -9,9 +9,9 @@
     <p:sldId id="257" r:id="rId3"/>
     <p:sldId id="258" r:id="rId4"/>
     <p:sldId id="259" r:id="rId5"/>
-    <p:sldId id="262" r:id="rId6"/>
-    <p:sldId id="261" r:id="rId7"/>
-    <p:sldId id="260" r:id="rId8"/>
+    <p:sldId id="261" r:id="rId6"/>
+    <p:sldId id="260" r:id="rId7"/>
+    <p:sldId id="262" r:id="rId8"/>
   </p:sldIdLst>
   <p:sldSz cx="12192000" cy="6858000"/>
   <p:notesSz cx="6858000" cy="9144000"/>
@@ -287,7 +287,7 @@
           <a:p>
             <a:fld id="{D1F81634-593A-4D5B-ADD7-B799CF0FC8CA}" type="datetimeFigureOut">
               <a:rPr lang="en-US" smtClean="0"/>
-              <a:t>10/16/2019</a:t>
+              <a:t>11/1/2019</a:t>
             </a:fld>
             <a:endParaRPr lang="en-US"/>
           </a:p>
@@ -617,7 +617,7 @@
           <a:p>
             <a:fld id="{D1F81634-593A-4D5B-ADD7-B799CF0FC8CA}" type="datetimeFigureOut">
               <a:rPr lang="en-US" smtClean="0"/>
-              <a:t>10/16/2019</a:t>
+              <a:t>11/1/2019</a:t>
             </a:fld>
             <a:endParaRPr lang="en-US"/>
           </a:p>
@@ -797,7 +797,7 @@
           <a:p>
             <a:fld id="{D1F81634-593A-4D5B-ADD7-B799CF0FC8CA}" type="datetimeFigureOut">
               <a:rPr lang="en-US" smtClean="0"/>
-              <a:t>10/16/2019</a:t>
+              <a:t>11/1/2019</a:t>
             </a:fld>
             <a:endParaRPr lang="en-US"/>
           </a:p>
@@ -967,7 +967,7 @@
           <a:p>
             <a:fld id="{D1F81634-593A-4D5B-ADD7-B799CF0FC8CA}" type="datetimeFigureOut">
               <a:rPr lang="en-US" smtClean="0"/>
-              <a:t>10/16/2019</a:t>
+              <a:t>11/1/2019</a:t>
             </a:fld>
             <a:endParaRPr lang="en-US"/>
           </a:p>
@@ -1244,7 +1244,7 @@
           <a:p>
             <a:fld id="{D1F81634-593A-4D5B-ADD7-B799CF0FC8CA}" type="datetimeFigureOut">
               <a:rPr lang="en-US" smtClean="0"/>
-              <a:t>10/16/2019</a:t>
+              <a:t>11/1/2019</a:t>
             </a:fld>
             <a:endParaRPr lang="en-US"/>
           </a:p>
@@ -1638,7 +1638,7 @@
           <a:p>
             <a:fld id="{D1F81634-593A-4D5B-ADD7-B799CF0FC8CA}" type="datetimeFigureOut">
               <a:rPr lang="en-US" smtClean="0"/>
-              <a:t>10/16/2019</a:t>
+              <a:t>11/1/2019</a:t>
             </a:fld>
             <a:endParaRPr lang="en-US"/>
           </a:p>
@@ -2115,7 +2115,7 @@
           <a:p>
             <a:fld id="{D1F81634-593A-4D5B-ADD7-B799CF0FC8CA}" type="datetimeFigureOut">
               <a:rPr lang="en-US" smtClean="0"/>
-              <a:t>10/16/2019</a:t>
+              <a:t>11/1/2019</a:t>
             </a:fld>
             <a:endParaRPr lang="en-US"/>
           </a:p>
@@ -2233,7 +2233,7 @@
           <a:p>
             <a:fld id="{D1F81634-593A-4D5B-ADD7-B799CF0FC8CA}" type="datetimeFigureOut">
               <a:rPr lang="en-US" smtClean="0"/>
-              <a:t>10/16/2019</a:t>
+              <a:t>11/1/2019</a:t>
             </a:fld>
             <a:endParaRPr lang="en-US"/>
           </a:p>
@@ -2328,7 +2328,7 @@
           <a:p>
             <a:fld id="{D1F81634-593A-4D5B-ADD7-B799CF0FC8CA}" type="datetimeFigureOut">
               <a:rPr lang="en-US" smtClean="0"/>
-              <a:t>10/16/2019</a:t>
+              <a:t>11/1/2019</a:t>
             </a:fld>
             <a:endParaRPr lang="en-US"/>
           </a:p>
@@ -2674,7 +2674,7 @@
           <a:p>
             <a:fld id="{D1F81634-593A-4D5B-ADD7-B799CF0FC8CA}" type="datetimeFigureOut">
               <a:rPr lang="en-US" smtClean="0"/>
-              <a:t>10/16/2019</a:t>
+              <a:t>11/1/2019</a:t>
             </a:fld>
             <a:endParaRPr lang="en-US"/>
           </a:p>
@@ -3062,7 +3062,7 @@
           <a:p>
             <a:fld id="{D1F81634-593A-4D5B-ADD7-B799CF0FC8CA}" type="datetimeFigureOut">
               <a:rPr lang="en-US" smtClean="0"/>
-              <a:t>10/16/2019</a:t>
+              <a:t>11/1/2019</a:t>
             </a:fld>
             <a:endParaRPr lang="en-US"/>
           </a:p>
@@ -3340,7 +3340,7 @@
           <a:p>
             <a:fld id="{D1F81634-593A-4D5B-ADD7-B799CF0FC8CA}" type="datetimeFigureOut">
               <a:rPr lang="en-US" smtClean="0"/>
-              <a:t>10/16/2019</a:t>
+              <a:t>11/1/2019</a:t>
             </a:fld>
             <a:endParaRPr lang="en-US"/>
           </a:p>
@@ -3786,7 +3786,7 @@
       </a:lvl9pPr>
     </p:otherStyle>
   </p:txStyles>
-  <p:extLst mod="1">
+  <p:extLst>
     <p:ext uri="{27BBF7A9-308A-43DC-89C8-2F10F3537804}">
       <p15:sldGuideLst xmlns:p15="http://schemas.microsoft.com/office/powerpoint/2012/main">
         <p15:guide id="3" orient="horz" pos="1368">
@@ -4494,7 +4494,7 @@
           <a:p>
             <a:r>
               <a:rPr lang="en-US" dirty="0"/>
-              <a:t>WHERE [logic]</a:t>
+              <a:t>Other Clauses Will Come Later</a:t>
             </a:r>
           </a:p>
         </p:txBody>
@@ -4527,71 +4527,24 @@
           </a:bodyPr>
           <a:lstStyle/>
           <a:p>
-            <a:r>
-              <a:rPr lang="en-US" dirty="0"/>
-              <a:t>Indicates logic to apply to each and every record </a:t>
-            </a:r>
-            <a:r>
-              <a:rPr lang="en-US" i="1" dirty="0"/>
-              <a:t>before</a:t>
-            </a:r>
-            <a:r>
-              <a:rPr lang="en-US" dirty="0"/>
-              <a:t> returning the select list.</a:t>
-            </a:r>
-          </a:p>
-          <a:p>
-            <a:r>
-              <a:rPr lang="en-US" dirty="0"/>
-              <a:t>It filters </a:t>
-            </a:r>
-            <a:r>
-              <a:rPr lang="en-US" i="1" dirty="0"/>
-              <a:t>records </a:t>
-            </a:r>
-            <a:r>
-              <a:rPr lang="en-US" dirty="0"/>
-              <a:t>and is used more often than not.</a:t>
-            </a:r>
-          </a:p>
-          <a:p>
-            <a:r>
-              <a:rPr lang="en-US" dirty="0"/>
-              <a:t>For example: return only records from the Human Resources department.</a:t>
-            </a:r>
-          </a:p>
-          <a:p>
-            <a:r>
-              <a:rPr lang="en-US" dirty="0"/>
-              <a:t>WHERE clauses use logic operators:</a:t>
-            </a:r>
-          </a:p>
-          <a:p>
             <a:pPr lvl="1"/>
             <a:r>
               <a:rPr lang="en-US" dirty="0"/>
-              <a:t>Equals.</a:t>
+              <a:t>GROUP BY (optional)</a:t>
             </a:r>
           </a:p>
           <a:p>
             <a:pPr lvl="1"/>
             <a:r>
               <a:rPr lang="en-US" dirty="0"/>
-              <a:t>Less than / greater than.</a:t>
+              <a:t>HAVING (optional but only used with a GROUP BY)</a:t>
             </a:r>
           </a:p>
           <a:p>
             <a:pPr lvl="1"/>
             <a:r>
               <a:rPr lang="en-US" dirty="0"/>
-              <a:t>In (i.e., contains).</a:t>
-            </a:r>
-          </a:p>
-          <a:p>
-            <a:pPr lvl="1"/>
-            <a:r>
-              <a:rPr lang="en-US" dirty="0"/>
-              <a:t>Etc.</a:t>
+              <a:t>ORDER BY (optional)</a:t>
             </a:r>
           </a:p>
           <a:p>
@@ -4608,7 +4561,7 @@
     </p:spTree>
     <p:extLst>
       <p:ext uri="{BB962C8B-B14F-4D97-AF65-F5344CB8AC3E}">
-        <p14:creationId xmlns:p14="http://schemas.microsoft.com/office/powerpoint/2010/main" val="3982400110"/>
+        <p14:creationId xmlns:p14="http://schemas.microsoft.com/office/powerpoint/2010/main" val="3003041367"/>
       </p:ext>
     </p:extLst>
   </p:cSld>
@@ -4658,7 +4611,7 @@
           <a:p>
             <a:r>
               <a:rPr lang="en-US" dirty="0"/>
-              <a:t>Other Clauses Will Come Later</a:t>
+              <a:t>[brackets]</a:t>
             </a:r>
           </a:p>
         </p:txBody>
@@ -4691,25 +4644,77 @@
           </a:bodyPr>
           <a:lstStyle/>
           <a:p>
+            <a:r>
+              <a:rPr lang="en-US" dirty="0"/>
+              <a:t>May see them around field (column), server, table, etc. names.</a:t>
+            </a:r>
+          </a:p>
+          <a:p>
+            <a:r>
+              <a:rPr lang="en-US" b="1" dirty="0"/>
+              <a:t>Always</a:t>
+            </a:r>
+            <a:r>
+              <a:rPr lang="en-US" dirty="0"/>
+              <a:t> optional when the name has no special characters.</a:t>
+            </a:r>
+          </a:p>
+          <a:p>
             <a:pPr lvl="1"/>
             <a:r>
-              <a:rPr lang="en-US" dirty="0"/>
-              <a:t>GROUP BY (optional)</a:t>
+              <a:rPr lang="en-US" dirty="0" err="1"/>
+              <a:t>server_name</a:t>
+            </a:r>
+            <a:r>
+              <a:rPr lang="en-US" dirty="0"/>
+              <a:t> or [</a:t>
+            </a:r>
+            <a:r>
+              <a:rPr lang="en-US" dirty="0" err="1"/>
+              <a:t>server_name</a:t>
+            </a:r>
+            <a:r>
+              <a:rPr lang="en-US" dirty="0"/>
+              <a:t>]</a:t>
             </a:r>
           </a:p>
           <a:p>
             <a:pPr lvl="1"/>
             <a:r>
               <a:rPr lang="en-US" dirty="0"/>
-              <a:t>HAVING (optional but only used with a GROUP BY)</a:t>
+              <a:t>customer or [customer]</a:t>
+            </a:r>
+          </a:p>
+          <a:p>
+            <a:r>
+              <a:rPr lang="en-US" b="1" dirty="0"/>
+              <a:t>Required</a:t>
+            </a:r>
+            <a:r>
+              <a:rPr lang="en-US" dirty="0"/>
+              <a:t> when the name has special characters:</a:t>
             </a:r>
           </a:p>
           <a:p>
             <a:pPr lvl="1"/>
             <a:r>
               <a:rPr lang="en-US" dirty="0"/>
-              <a:t>ORDER BY (optional)</a:t>
-            </a:r>
+              <a:t>Blank space: [server name]</a:t>
+            </a:r>
+          </a:p>
+          <a:p>
+            <a:pPr lvl="1"/>
+            <a:r>
+              <a:rPr lang="en-US" dirty="0"/>
+              <a:t>Slash: [server/name]</a:t>
+            </a:r>
+          </a:p>
+          <a:p>
+            <a:endParaRPr lang="en-US" dirty="0"/>
+          </a:p>
+          <a:p>
+            <a:pPr lvl="1"/>
+            <a:endParaRPr lang="en-US" dirty="0"/>
           </a:p>
           <a:p>
             <a:endParaRPr lang="en-US" dirty="0"/>
@@ -4725,7 +4730,7 @@
     </p:spTree>
     <p:extLst>
       <p:ext uri="{BB962C8B-B14F-4D97-AF65-F5344CB8AC3E}">
-        <p14:creationId xmlns:p14="http://schemas.microsoft.com/office/powerpoint/2010/main" val="3003041367"/>
+        <p14:creationId xmlns:p14="http://schemas.microsoft.com/office/powerpoint/2010/main" val="1395376308"/>
       </p:ext>
     </p:extLst>
   </p:cSld>
@@ -4736,7 +4741,7 @@
 </file>
 
 <file path=ppt/slides/slide7.xml><?xml version="1.0" encoding="utf-8"?>
-<p:sld xmlns:a="http://schemas.openxmlformats.org/drawingml/2006/main" xmlns:r="http://schemas.openxmlformats.org/officeDocument/2006/relationships" xmlns:p="http://schemas.openxmlformats.org/presentationml/2006/main">
+<p:sld xmlns:a="http://schemas.openxmlformats.org/drawingml/2006/main" xmlns:r="http://schemas.openxmlformats.org/officeDocument/2006/relationships" xmlns:p="http://schemas.openxmlformats.org/presentationml/2006/main" show="0">
   <p:cSld>
     <p:spTree>
       <p:nvGrpSpPr>
@@ -4775,7 +4780,7 @@
           <a:p>
             <a:r>
               <a:rPr lang="en-US" dirty="0"/>
-              <a:t>[brackets]</a:t>
+              <a:t>WHERE [logic]</a:t>
             </a:r>
           </a:p>
         </p:txBody>
@@ -4810,75 +4815,70 @@
           <a:p>
             <a:r>
               <a:rPr lang="en-US" dirty="0"/>
-              <a:t>May see them around field (column), server, table, etc. names.</a:t>
-            </a:r>
-          </a:p>
-          <a:p>
-            <a:r>
-              <a:rPr lang="en-US" b="1" dirty="0"/>
-              <a:t>Always</a:t>
-            </a:r>
-            <a:r>
-              <a:rPr lang="en-US" dirty="0"/>
-              <a:t> optional when the name has no special characters.</a:t>
+              <a:t>Indicates logic to apply to each and every record </a:t>
+            </a:r>
+            <a:r>
+              <a:rPr lang="en-US" i="1" dirty="0"/>
+              <a:t>before</a:t>
+            </a:r>
+            <a:r>
+              <a:rPr lang="en-US" dirty="0"/>
+              <a:t> returning the select list.</a:t>
+            </a:r>
+          </a:p>
+          <a:p>
+            <a:r>
+              <a:rPr lang="en-US" dirty="0"/>
+              <a:t>It filters </a:t>
+            </a:r>
+            <a:r>
+              <a:rPr lang="en-US" i="1" dirty="0"/>
+              <a:t>records </a:t>
+            </a:r>
+            <a:r>
+              <a:rPr lang="en-US" dirty="0"/>
+              <a:t>and is used more often than not.</a:t>
+            </a:r>
+          </a:p>
+          <a:p>
+            <a:r>
+              <a:rPr lang="en-US" dirty="0"/>
+              <a:t>For example: return only records from the Human Resources department.</a:t>
+            </a:r>
+          </a:p>
+          <a:p>
+            <a:r>
+              <a:rPr lang="en-US" dirty="0"/>
+              <a:t>WHERE clauses use logic operators:</a:t>
             </a:r>
           </a:p>
           <a:p>
             <a:pPr lvl="1"/>
             <a:r>
-              <a:rPr lang="en-US" dirty="0" err="1"/>
-              <a:t>server_name</a:t>
-            </a:r>
-            <a:r>
-              <a:rPr lang="en-US" dirty="0"/>
-              <a:t> or [</a:t>
-            </a:r>
-            <a:r>
-              <a:rPr lang="en-US" dirty="0" err="1"/>
-              <a:t>server_name</a:t>
-            </a:r>
-            <a:r>
-              <a:rPr lang="en-US" dirty="0"/>
-              <a:t>]</a:t>
+              <a:rPr lang="en-US" dirty="0"/>
+              <a:t>Equals.</a:t>
             </a:r>
           </a:p>
           <a:p>
             <a:pPr lvl="1"/>
             <a:r>
               <a:rPr lang="en-US" dirty="0"/>
-              <a:t>customer or [customer]</a:t>
-            </a:r>
-          </a:p>
-          <a:p>
-            <a:r>
-              <a:rPr lang="en-US" b="1" dirty="0"/>
-              <a:t>Required</a:t>
-            </a:r>
-            <a:r>
-              <a:rPr lang="en-US" dirty="0"/>
-              <a:t> when the name has special characters:</a:t>
+              <a:t>Less than / greater than.</a:t>
             </a:r>
           </a:p>
           <a:p>
             <a:pPr lvl="1"/>
             <a:r>
               <a:rPr lang="en-US" dirty="0"/>
-              <a:t>Blank space: [server name]</a:t>
+              <a:t>In (i.e., contains).</a:t>
             </a:r>
           </a:p>
           <a:p>
             <a:pPr lvl="1"/>
             <a:r>
               <a:rPr lang="en-US" dirty="0"/>
-              <a:t>Slash: [server/name]</a:t>
-            </a:r>
-          </a:p>
-          <a:p>
-            <a:endParaRPr lang="en-US" dirty="0"/>
-          </a:p>
-          <a:p>
-            <a:pPr lvl="1"/>
-            <a:endParaRPr lang="en-US" dirty="0"/>
+              <a:t>Etc.</a:t>
+            </a:r>
           </a:p>
           <a:p>
             <a:endParaRPr lang="en-US" dirty="0"/>
@@ -4894,7 +4894,7 @@
     </p:spTree>
     <p:extLst>
       <p:ext uri="{BB962C8B-B14F-4D97-AF65-F5344CB8AC3E}">
-        <p14:creationId xmlns:p14="http://schemas.microsoft.com/office/powerpoint/2010/main" val="1395376308"/>
+        <p14:creationId xmlns:p14="http://schemas.microsoft.com/office/powerpoint/2010/main" val="3982400110"/>
       </p:ext>
     </p:extLst>
   </p:cSld>
